--- a/Nouveau Présentation Microsoft PowerPoint.pptx
+++ b/Nouveau Présentation Microsoft PowerPoint.pptx
@@ -5,17 +5,20 @@
     <p:sldMasterId id="2147483696" r:id="rId1"/>
   </p:sldMasterIdLst>
   <p:notesMasterIdLst>
-    <p:notesMasterId r:id="rId7"/>
+    <p:notesMasterId r:id="rId10"/>
   </p:notesMasterIdLst>
   <p:handoutMasterIdLst>
-    <p:handoutMasterId r:id="rId8"/>
+    <p:handoutMasterId r:id="rId11"/>
   </p:handoutMasterIdLst>
   <p:sldIdLst>
     <p:sldId id="256" r:id="rId2"/>
-    <p:sldId id="257" r:id="rId3"/>
-    <p:sldId id="258" r:id="rId4"/>
-    <p:sldId id="259" r:id="rId5"/>
-    <p:sldId id="260" r:id="rId6"/>
+    <p:sldId id="258" r:id="rId3"/>
+    <p:sldId id="259" r:id="rId4"/>
+    <p:sldId id="260" r:id="rId5"/>
+    <p:sldId id="262" r:id="rId6"/>
+    <p:sldId id="263" r:id="rId7"/>
+    <p:sldId id="264" r:id="rId8"/>
+    <p:sldId id="265" r:id="rId9"/>
   </p:sldIdLst>
   <p:sldSz cx="12192000" cy="6858000"/>
   <p:notesSz cx="6858000" cy="9144000"/>
@@ -123,7 +126,7 @@
   </p:defaultTextStyle>
   <p:extLst>
     <p:ext uri="{EFAFB233-063F-42B5-8137-9DF3F51BA10A}">
-      <p15:sldGuideLst xmlns:p15="http://schemas.microsoft.com/office/powerpoint/2012/main" xmlns="">
+      <p15:sldGuideLst xmlns="" xmlns:p15="http://schemas.microsoft.com/office/powerpoint/2012/main">
         <p15:guide id="1" orient="horz" pos="2160" userDrawn="1">
           <p15:clr>
             <a:srgbClr val="A4A3A4"/>
@@ -222,7 +225,8 @@
           <a:p>
             <a:fld id="{C08A4F1B-2C81-49C5-BB17-8B6C4113DC33}" type="datetimeFigureOut">
               <a:rPr lang="fr-FR" smtClean="0"/>
-              <a:t>03/04/2017</a:t>
+              <a:pPr/>
+              <a:t>23/04/2017</a:t>
             </a:fld>
             <a:endParaRPr lang="fr-FR"/>
           </a:p>
@@ -288,6 +292,7 @@
           <a:p>
             <a:fld id="{25C02CF7-508D-4BAA-AC2B-BDD3AB096B68}" type="slidenum">
               <a:rPr lang="fr-FR" smtClean="0"/>
+              <a:pPr/>
               <a:t>‹N°›</a:t>
             </a:fld>
             <a:endParaRPr lang="fr-FR"/>
@@ -297,7 +302,7 @@
     </p:spTree>
     <p:extLst>
       <p:ext uri="{BB962C8B-B14F-4D97-AF65-F5344CB8AC3E}">
-        <p14:creationId xmlns:p14="http://schemas.microsoft.com/office/powerpoint/2010/main" val="2895715637"/>
+        <p14:creationId xmlns:p14="http://schemas.microsoft.com/office/powerpoint/2010/main" xmlns="" val="2895715637"/>
       </p:ext>
     </p:extLst>
   </p:cSld>
@@ -387,7 +392,8 @@
           <a:p>
             <a:fld id="{A7F09614-7336-41AE-AAA2-7D3F7F69BCFE}" type="datetimeFigureOut">
               <a:rPr lang="fr-FR" smtClean="0"/>
-              <a:t>03/04/2017</a:t>
+              <a:pPr/>
+              <a:t>23/04/2017</a:t>
             </a:fld>
             <a:endParaRPr lang="fr-FR"/>
           </a:p>
@@ -546,6 +552,7 @@
           <a:p>
             <a:fld id="{0E284361-EC28-4A2B-89F4-1F27855239D0}" type="slidenum">
               <a:rPr lang="fr-FR" smtClean="0"/>
+              <a:pPr/>
               <a:t>‹N°›</a:t>
             </a:fld>
             <a:endParaRPr lang="fr-FR"/>
@@ -555,7 +562,7 @@
     </p:spTree>
     <p:extLst>
       <p:ext uri="{BB962C8B-B14F-4D97-AF65-F5344CB8AC3E}">
-        <p14:creationId xmlns:p14="http://schemas.microsoft.com/office/powerpoint/2010/main" val="38359057"/>
+        <p14:creationId xmlns:p14="http://schemas.microsoft.com/office/powerpoint/2010/main" xmlns="" val="38359057"/>
       </p:ext>
     </p:extLst>
   </p:cSld>
@@ -720,6 +727,7 @@
           <a:p>
             <a:fld id="{0E284361-EC28-4A2B-89F4-1F27855239D0}" type="slidenum">
               <a:rPr lang="fr-FR" smtClean="0"/>
+              <a:pPr/>
               <a:t>1</a:t>
             </a:fld>
             <a:endParaRPr lang="fr-FR"/>
@@ -729,91 +737,7 @@
     </p:spTree>
     <p:extLst>
       <p:ext uri="{BB962C8B-B14F-4D97-AF65-F5344CB8AC3E}">
-        <p14:creationId xmlns:p14="http://schemas.microsoft.com/office/powerpoint/2010/main" val="2870060369"/>
-      </p:ext>
-    </p:extLst>
-  </p:cSld>
-  <p:clrMapOvr>
-    <a:masterClrMapping/>
-  </p:clrMapOvr>
-</p:notes>
-</file>
-
-<file path=ppt/notesSlides/notesSlide2.xml><?xml version="1.0" encoding="utf-8"?>
-<p:notes xmlns:a="http://schemas.openxmlformats.org/drawingml/2006/main" xmlns:r="http://schemas.openxmlformats.org/officeDocument/2006/relationships" xmlns:p="http://schemas.openxmlformats.org/presentationml/2006/main">
-  <p:cSld>
-    <p:spTree>
-      <p:nvGrpSpPr>
-        <p:cNvPr id="1" name=""/>
-        <p:cNvGrpSpPr/>
-        <p:nvPr/>
-      </p:nvGrpSpPr>
-      <p:grpSpPr>
-        <a:xfrm>
-          <a:off x="0" y="0"/>
-          <a:ext cx="0" cy="0"/>
-          <a:chOff x="0" y="0"/>
-          <a:chExt cx="0" cy="0"/>
-        </a:xfrm>
-      </p:grpSpPr>
-      <p:sp>
-        <p:nvSpPr>
-          <p:cNvPr id="2" name="Espace réservé de l'image des diapositives 1"/>
-          <p:cNvSpPr>
-            <a:spLocks noGrp="1" noRot="1" noChangeAspect="1"/>
-          </p:cNvSpPr>
-          <p:nvPr>
-            <p:ph type="sldImg"/>
-          </p:nvPr>
-        </p:nvSpPr>
-        <p:spPr/>
-      </p:sp>
-      <p:sp>
-        <p:nvSpPr>
-          <p:cNvPr id="3" name="Espace réservé des commentaires 2"/>
-          <p:cNvSpPr>
-            <a:spLocks noGrp="1"/>
-          </p:cNvSpPr>
-          <p:nvPr>
-            <p:ph type="body" idx="1"/>
-          </p:nvPr>
-        </p:nvSpPr>
-        <p:spPr/>
-        <p:txBody>
-          <a:bodyPr/>
-          <a:lstStyle/>
-          <a:p>
-            <a:endParaRPr lang="fr-FR"/>
-          </a:p>
-        </p:txBody>
-      </p:sp>
-      <p:sp>
-        <p:nvSpPr>
-          <p:cNvPr id="4" name="Espace réservé du numéro de diapositive 3"/>
-          <p:cNvSpPr>
-            <a:spLocks noGrp="1"/>
-          </p:cNvSpPr>
-          <p:nvPr>
-            <p:ph type="sldNum" sz="quarter" idx="10"/>
-          </p:nvPr>
-        </p:nvSpPr>
-        <p:spPr/>
-        <p:txBody>
-          <a:bodyPr/>
-          <a:lstStyle/>
-          <a:p>
-            <a:fld id="{0E284361-EC28-4A2B-89F4-1F27855239D0}" type="slidenum">
-              <a:rPr lang="fr-FR" smtClean="0"/>
-              <a:t>2</a:t>
-            </a:fld>
-            <a:endParaRPr lang="fr-FR"/>
-          </a:p>
-        </p:txBody>
-      </p:sp>
-    </p:spTree>
-    <p:extLst>
-      <p:ext uri="{BB962C8B-B14F-4D97-AF65-F5344CB8AC3E}">
-        <p14:creationId xmlns:p14="http://schemas.microsoft.com/office/powerpoint/2010/main" val="3797136897"/>
+        <p14:creationId xmlns:p14="http://schemas.microsoft.com/office/powerpoint/2010/main" xmlns="" val="2870060369"/>
       </p:ext>
     </p:extLst>
   </p:cSld>
@@ -968,7 +892,7 @@
           <a:lstStyle/>
           <a:p>
             <a:r>
-              <a:rPr lang="fr-FR" smtClean="0"/>
+              <a:rPr lang="fr-FR" dirty="0" smtClean="0"/>
               <a:t>Montpeloisirs</a:t>
             </a:r>
             <a:endParaRPr lang="fr-FR" dirty="0"/>
@@ -978,7 +902,7 @@
     </p:spTree>
     <p:extLst>
       <p:ext uri="{BB962C8B-B14F-4D97-AF65-F5344CB8AC3E}">
-        <p14:creationId xmlns:p14="http://schemas.microsoft.com/office/powerpoint/2010/main" val="423090525"/>
+        <p14:creationId xmlns:p14="http://schemas.microsoft.com/office/powerpoint/2010/main" xmlns="" val="423090525"/>
       </p:ext>
     </p:extLst>
   </p:cSld>
@@ -1104,7 +1028,8 @@
           <a:p>
             <a:fld id="{E7CEE33E-508C-44EC-B32E-7D7BF243CB74}" type="datetime1">
               <a:rPr lang="fr-FR" smtClean="0"/>
-              <a:t>03/04/2017</a:t>
+              <a:pPr/>
+              <a:t>23/04/2017</a:t>
             </a:fld>
             <a:endParaRPr lang="fr-FR"/>
           </a:p>
@@ -1126,10 +1051,10 @@
           <a:lstStyle/>
           <a:p>
             <a:r>
-              <a:rPr lang="fr-FR" smtClean="0"/>
+              <a:rPr lang="fr-FR" dirty="0" smtClean="0"/>
               <a:t>Montpeloisirs</a:t>
             </a:r>
-            <a:endParaRPr lang="fr-FR"/>
+            <a:endParaRPr lang="fr-FR" dirty="0"/>
           </a:p>
         </p:txBody>
       </p:sp>
@@ -1150,6 +1075,7 @@
           <a:p>
             <a:fld id="{CB8266EF-8505-4BC5-80D9-D3A2E74B9ECC}" type="slidenum">
               <a:rPr lang="fr-FR" smtClean="0"/>
+              <a:pPr/>
               <a:t>‹N°›</a:t>
             </a:fld>
             <a:endParaRPr lang="fr-FR"/>
@@ -1159,7 +1085,7 @@
     </p:spTree>
     <p:extLst>
       <p:ext uri="{BB962C8B-B14F-4D97-AF65-F5344CB8AC3E}">
-        <p14:creationId xmlns:p14="http://schemas.microsoft.com/office/powerpoint/2010/main" val="1609938389"/>
+        <p14:creationId xmlns:p14="http://schemas.microsoft.com/office/powerpoint/2010/main" xmlns="" val="1609938389"/>
       </p:ext>
     </p:extLst>
   </p:cSld>
@@ -1295,7 +1221,8 @@
           <a:p>
             <a:fld id="{F1014552-2BBC-4B0E-8EDC-2B9454C88E35}" type="datetime1">
               <a:rPr lang="fr-FR" smtClean="0"/>
-              <a:t>03/04/2017</a:t>
+              <a:pPr/>
+              <a:t>23/04/2017</a:t>
             </a:fld>
             <a:endParaRPr lang="fr-FR"/>
           </a:p>
@@ -1317,10 +1244,10 @@
           <a:lstStyle/>
           <a:p>
             <a:r>
-              <a:rPr lang="fr-FR" smtClean="0"/>
+              <a:rPr lang="fr-FR" dirty="0" smtClean="0"/>
               <a:t>Montpeloisirs</a:t>
             </a:r>
-            <a:endParaRPr lang="fr-FR"/>
+            <a:endParaRPr lang="fr-FR" dirty="0"/>
           </a:p>
         </p:txBody>
       </p:sp>
@@ -1341,6 +1268,7 @@
           <a:p>
             <a:fld id="{CB8266EF-8505-4BC5-80D9-D3A2E74B9ECC}" type="slidenum">
               <a:rPr lang="fr-FR" smtClean="0"/>
+              <a:pPr/>
               <a:t>‹N°›</a:t>
             </a:fld>
             <a:endParaRPr lang="fr-FR"/>
@@ -1350,7 +1278,7 @@
     </p:spTree>
     <p:extLst>
       <p:ext uri="{BB962C8B-B14F-4D97-AF65-F5344CB8AC3E}">
-        <p14:creationId xmlns:p14="http://schemas.microsoft.com/office/powerpoint/2010/main" val="724668094"/>
+        <p14:creationId xmlns:p14="http://schemas.microsoft.com/office/powerpoint/2010/main" xmlns="" val="724668094"/>
       </p:ext>
     </p:extLst>
   </p:cSld>
@@ -1480,7 +1408,8 @@
           <a:p>
             <a:fld id="{7C3E5941-D824-4820-A787-0265BD3B6E60}" type="datetime1">
               <a:rPr lang="fr-FR" smtClean="0"/>
-              <a:t>03/04/2017</a:t>
+              <a:pPr/>
+              <a:t>23/04/2017</a:t>
             </a:fld>
             <a:endParaRPr lang="fr-FR"/>
           </a:p>
@@ -1502,7 +1431,7 @@
           <a:lstStyle/>
           <a:p>
             <a:r>
-              <a:rPr lang="fr-FR" dirty="0" err="1" smtClean="0"/>
+              <a:rPr lang="fr-FR" dirty="0" smtClean="0"/>
               <a:t>Montpeloisirs</a:t>
             </a:r>
             <a:endParaRPr lang="fr-FR" dirty="0"/>
@@ -1526,6 +1455,7 @@
           <a:p>
             <a:fld id="{CB8266EF-8505-4BC5-80D9-D3A2E74B9ECC}" type="slidenum">
               <a:rPr lang="fr-FR" smtClean="0"/>
+              <a:pPr/>
               <a:t>‹N°›</a:t>
             </a:fld>
             <a:endParaRPr lang="fr-FR"/>
@@ -1535,7 +1465,7 @@
     </p:spTree>
     <p:extLst>
       <p:ext uri="{BB962C8B-B14F-4D97-AF65-F5344CB8AC3E}">
-        <p14:creationId xmlns:p14="http://schemas.microsoft.com/office/powerpoint/2010/main" val="3521654438"/>
+        <p14:creationId xmlns:p14="http://schemas.microsoft.com/office/powerpoint/2010/main" xmlns="" val="3521654438"/>
       </p:ext>
     </p:extLst>
   </p:cSld>
@@ -1737,7 +1667,8 @@
           <a:p>
             <a:fld id="{CC2FD58B-11D6-4E70-BE8E-453C59C9BB45}" type="datetime1">
               <a:rPr lang="fr-FR" smtClean="0"/>
-              <a:t>03/04/2017</a:t>
+              <a:pPr/>
+              <a:t>23/04/2017</a:t>
             </a:fld>
             <a:endParaRPr lang="fr-FR"/>
           </a:p>
@@ -1759,10 +1690,10 @@
           <a:lstStyle/>
           <a:p>
             <a:r>
-              <a:rPr lang="fr-FR" smtClean="0"/>
+              <a:rPr lang="fr-FR" dirty="0" smtClean="0"/>
               <a:t>Montpeloisirs</a:t>
             </a:r>
-            <a:endParaRPr lang="fr-FR"/>
+            <a:endParaRPr lang="fr-FR" dirty="0"/>
           </a:p>
         </p:txBody>
       </p:sp>
@@ -1783,6 +1714,7 @@
           <a:p>
             <a:fld id="{CB8266EF-8505-4BC5-80D9-D3A2E74B9ECC}" type="slidenum">
               <a:rPr lang="fr-FR" smtClean="0"/>
+              <a:pPr/>
               <a:t>‹N°›</a:t>
             </a:fld>
             <a:endParaRPr lang="fr-FR"/>
@@ -1792,7 +1724,7 @@
     </p:spTree>
     <p:extLst>
       <p:ext uri="{BB962C8B-B14F-4D97-AF65-F5344CB8AC3E}">
-        <p14:creationId xmlns:p14="http://schemas.microsoft.com/office/powerpoint/2010/main" val="4061008797"/>
+        <p14:creationId xmlns:p14="http://schemas.microsoft.com/office/powerpoint/2010/main" xmlns="" val="4061008797"/>
       </p:ext>
     </p:extLst>
   </p:cSld>
@@ -1980,7 +1912,8 @@
           <a:p>
             <a:fld id="{64A6C841-2D1C-4A9C-9F5A-59E03E4A0FD4}" type="datetime1">
               <a:rPr lang="fr-FR" smtClean="0"/>
-              <a:t>03/04/2017</a:t>
+              <a:pPr/>
+              <a:t>23/04/2017</a:t>
             </a:fld>
             <a:endParaRPr lang="fr-FR"/>
           </a:p>
@@ -2002,10 +1935,10 @@
           <a:lstStyle/>
           <a:p>
             <a:r>
-              <a:rPr lang="fr-FR" smtClean="0"/>
+              <a:rPr lang="fr-FR" dirty="0" smtClean="0"/>
               <a:t>Montpeloisirs</a:t>
             </a:r>
-            <a:endParaRPr lang="fr-FR"/>
+            <a:endParaRPr lang="fr-FR" dirty="0"/>
           </a:p>
         </p:txBody>
       </p:sp>
@@ -2026,6 +1959,7 @@
           <a:p>
             <a:fld id="{CB8266EF-8505-4BC5-80D9-D3A2E74B9ECC}" type="slidenum">
               <a:rPr lang="fr-FR" smtClean="0"/>
+              <a:pPr/>
               <a:t>‹N°›</a:t>
             </a:fld>
             <a:endParaRPr lang="fr-FR"/>
@@ -2035,7 +1969,7 @@
     </p:spTree>
     <p:extLst>
       <p:ext uri="{BB962C8B-B14F-4D97-AF65-F5344CB8AC3E}">
-        <p14:creationId xmlns:p14="http://schemas.microsoft.com/office/powerpoint/2010/main" val="3859349586"/>
+        <p14:creationId xmlns:p14="http://schemas.microsoft.com/office/powerpoint/2010/main" xmlns="" val="3859349586"/>
       </p:ext>
     </p:extLst>
   </p:cSld>
@@ -2358,7 +2292,8 @@
           <a:p>
             <a:fld id="{78E1ED0D-6A5F-414E-8B59-897395C700D8}" type="datetime1">
               <a:rPr lang="fr-FR" smtClean="0"/>
-              <a:t>03/04/2017</a:t>
+              <a:pPr/>
+              <a:t>23/04/2017</a:t>
             </a:fld>
             <a:endParaRPr lang="fr-FR"/>
           </a:p>
@@ -2380,10 +2315,10 @@
           <a:lstStyle/>
           <a:p>
             <a:r>
-              <a:rPr lang="fr-FR" smtClean="0"/>
+              <a:rPr lang="fr-FR" dirty="0" smtClean="0"/>
               <a:t>Montpeloisirs</a:t>
             </a:r>
-            <a:endParaRPr lang="fr-FR"/>
+            <a:endParaRPr lang="fr-FR" dirty="0"/>
           </a:p>
         </p:txBody>
       </p:sp>
@@ -2404,6 +2339,7 @@
           <a:p>
             <a:fld id="{CB8266EF-8505-4BC5-80D9-D3A2E74B9ECC}" type="slidenum">
               <a:rPr lang="fr-FR" smtClean="0"/>
+              <a:pPr/>
               <a:t>‹N°›</a:t>
             </a:fld>
             <a:endParaRPr lang="fr-FR"/>
@@ -2413,7 +2349,7 @@
     </p:spTree>
     <p:extLst>
       <p:ext uri="{BB962C8B-B14F-4D97-AF65-F5344CB8AC3E}">
-        <p14:creationId xmlns:p14="http://schemas.microsoft.com/office/powerpoint/2010/main" val="3258010551"/>
+        <p14:creationId xmlns:p14="http://schemas.microsoft.com/office/powerpoint/2010/main" xmlns="" val="3258010551"/>
       </p:ext>
     </p:extLst>
   </p:cSld>
@@ -2487,7 +2423,8 @@
           <a:p>
             <a:fld id="{27C2DF58-84F8-4C43-B41B-56A510DD0376}" type="datetime1">
               <a:rPr lang="fr-FR" smtClean="0"/>
-              <a:t>03/04/2017</a:t>
+              <a:pPr/>
+              <a:t>23/04/2017</a:t>
             </a:fld>
             <a:endParaRPr lang="fr-FR"/>
           </a:p>
@@ -2509,10 +2446,10 @@
           <a:lstStyle/>
           <a:p>
             <a:r>
-              <a:rPr lang="fr-FR" smtClean="0"/>
+              <a:rPr lang="fr-FR" dirty="0" smtClean="0"/>
               <a:t>Montpeloisirs</a:t>
             </a:r>
-            <a:endParaRPr lang="fr-FR"/>
+            <a:endParaRPr lang="fr-FR" dirty="0"/>
           </a:p>
         </p:txBody>
       </p:sp>
@@ -2533,6 +2470,7 @@
           <a:p>
             <a:fld id="{CB8266EF-8505-4BC5-80D9-D3A2E74B9ECC}" type="slidenum">
               <a:rPr lang="fr-FR" smtClean="0"/>
+              <a:pPr/>
               <a:t>‹N°›</a:t>
             </a:fld>
             <a:endParaRPr lang="fr-FR"/>
@@ -2542,7 +2480,7 @@
     </p:spTree>
     <p:extLst>
       <p:ext uri="{BB962C8B-B14F-4D97-AF65-F5344CB8AC3E}">
-        <p14:creationId xmlns:p14="http://schemas.microsoft.com/office/powerpoint/2010/main" val="2206207427"/>
+        <p14:creationId xmlns:p14="http://schemas.microsoft.com/office/powerpoint/2010/main" xmlns="" val="2206207427"/>
       </p:ext>
     </p:extLst>
   </p:cSld>
@@ -2593,7 +2531,8 @@
           <a:p>
             <a:fld id="{33E12BFD-59D0-4BA6-BBFF-4BF8F7237F96}" type="datetime1">
               <a:rPr lang="fr-FR" smtClean="0"/>
-              <a:t>03/04/2017</a:t>
+              <a:pPr/>
+              <a:t>23/04/2017</a:t>
             </a:fld>
             <a:endParaRPr lang="fr-FR"/>
           </a:p>
@@ -2615,10 +2554,10 @@
           <a:lstStyle/>
           <a:p>
             <a:r>
-              <a:rPr lang="fr-FR" smtClean="0"/>
+              <a:rPr lang="fr-FR" dirty="0" smtClean="0"/>
               <a:t>Montpeloisirs</a:t>
             </a:r>
-            <a:endParaRPr lang="fr-FR"/>
+            <a:endParaRPr lang="fr-FR" dirty="0"/>
           </a:p>
         </p:txBody>
       </p:sp>
@@ -2639,6 +2578,7 @@
           <a:p>
             <a:fld id="{CB8266EF-8505-4BC5-80D9-D3A2E74B9ECC}" type="slidenum">
               <a:rPr lang="fr-FR" smtClean="0"/>
+              <a:pPr/>
               <a:t>‹N°›</a:t>
             </a:fld>
             <a:endParaRPr lang="fr-FR"/>
@@ -2648,7 +2588,7 @@
     </p:spTree>
     <p:extLst>
       <p:ext uri="{BB962C8B-B14F-4D97-AF65-F5344CB8AC3E}">
-        <p14:creationId xmlns:p14="http://schemas.microsoft.com/office/powerpoint/2010/main" val="3397131226"/>
+        <p14:creationId xmlns:p14="http://schemas.microsoft.com/office/powerpoint/2010/main" xmlns="" val="3397131226"/>
       </p:ext>
     </p:extLst>
   </p:cSld>
@@ -2881,7 +2821,8 @@
           <a:p>
             <a:fld id="{E6C668BB-53F1-4CA0-8A4F-627730995F63}" type="datetime1">
               <a:rPr lang="fr-FR" smtClean="0"/>
-              <a:t>03/04/2017</a:t>
+              <a:pPr/>
+              <a:t>23/04/2017</a:t>
             </a:fld>
             <a:endParaRPr lang="fr-FR"/>
           </a:p>
@@ -2903,10 +2844,10 @@
           <a:lstStyle/>
           <a:p>
             <a:r>
-              <a:rPr lang="fr-FR" smtClean="0"/>
+              <a:rPr lang="fr-FR" dirty="0" smtClean="0"/>
               <a:t>Montpeloisirs</a:t>
             </a:r>
-            <a:endParaRPr lang="fr-FR"/>
+            <a:endParaRPr lang="fr-FR" dirty="0"/>
           </a:p>
         </p:txBody>
       </p:sp>
@@ -2927,6 +2868,7 @@
           <a:p>
             <a:fld id="{CB8266EF-8505-4BC5-80D9-D3A2E74B9ECC}" type="slidenum">
               <a:rPr lang="fr-FR" smtClean="0"/>
+              <a:pPr/>
               <a:t>‹N°›</a:t>
             </a:fld>
             <a:endParaRPr lang="fr-FR"/>
@@ -2936,7 +2878,7 @@
     </p:spTree>
     <p:extLst>
       <p:ext uri="{BB962C8B-B14F-4D97-AF65-F5344CB8AC3E}">
-        <p14:creationId xmlns:p14="http://schemas.microsoft.com/office/powerpoint/2010/main" val="4229719172"/>
+        <p14:creationId xmlns:p14="http://schemas.microsoft.com/office/powerpoint/2010/main" xmlns="" val="4229719172"/>
       </p:ext>
     </p:extLst>
   </p:cSld>
@@ -3145,7 +3087,8 @@
           <a:p>
             <a:fld id="{B230FDB4-9E86-4973-A85E-382040E6E662}" type="datetime1">
               <a:rPr lang="fr-FR" smtClean="0"/>
-              <a:t>03/04/2017</a:t>
+              <a:pPr/>
+              <a:t>23/04/2017</a:t>
             </a:fld>
             <a:endParaRPr lang="fr-FR"/>
           </a:p>
@@ -3167,10 +3110,10 @@
           <a:lstStyle/>
           <a:p>
             <a:r>
-              <a:rPr lang="fr-FR" smtClean="0"/>
+              <a:rPr lang="fr-FR" dirty="0" smtClean="0"/>
               <a:t>Montpeloisirs</a:t>
             </a:r>
-            <a:endParaRPr lang="fr-FR"/>
+            <a:endParaRPr lang="fr-FR" dirty="0"/>
           </a:p>
         </p:txBody>
       </p:sp>
@@ -3191,6 +3134,7 @@
           <a:p>
             <a:fld id="{CB8266EF-8505-4BC5-80D9-D3A2E74B9ECC}" type="slidenum">
               <a:rPr lang="fr-FR" smtClean="0"/>
+              <a:pPr/>
               <a:t>‹N°›</a:t>
             </a:fld>
             <a:endParaRPr lang="fr-FR"/>
@@ -3200,7 +3144,7 @@
     </p:spTree>
     <p:extLst>
       <p:ext uri="{BB962C8B-B14F-4D97-AF65-F5344CB8AC3E}">
-        <p14:creationId xmlns:p14="http://schemas.microsoft.com/office/powerpoint/2010/main" val="1677410505"/>
+        <p14:creationId xmlns:p14="http://schemas.microsoft.com/office/powerpoint/2010/main" xmlns="" val="1677410505"/>
       </p:ext>
     </p:extLst>
   </p:cSld>
@@ -3372,7 +3316,8 @@
           <a:p>
             <a:fld id="{EB6FEDEC-8ED1-4B04-BCF0-6CFC373BC05D}" type="datetime1">
               <a:rPr lang="fr-FR" smtClean="0"/>
-              <a:t>03/04/2017</a:t>
+              <a:pPr/>
+              <a:t>23/04/2017</a:t>
             </a:fld>
             <a:endParaRPr lang="fr-FR"/>
           </a:p>
@@ -3412,7 +3357,7 @@
           </a:lstStyle>
           <a:p>
             <a:r>
-              <a:rPr lang="fr-FR" dirty="0" err="1" smtClean="0"/>
+              <a:rPr lang="fr-FR" dirty="0" smtClean="0"/>
               <a:t>Montpeloisirs</a:t>
             </a:r>
             <a:endParaRPr lang="fr-FR" dirty="0"/>
@@ -3428,10 +3373,10 @@
           <p:nvPr userDrawn="1"/>
         </p:nvPicPr>
         <p:blipFill rotWithShape="1">
-          <a:blip r:embed="rId13">
+          <a:blip r:embed="rId13" cstate="print">
             <a:extLst>
               <a:ext uri="{28A0092B-C50C-407E-A947-70E740481C1C}">
-                <a14:useLocalDpi xmlns:a14="http://schemas.microsoft.com/office/drawing/2010/main" val="0"/>
+                <a14:useLocalDpi xmlns:a14="http://schemas.microsoft.com/office/drawing/2010/main" xmlns="" val="0"/>
               </a:ext>
             </a:extLst>
           </a:blip>
@@ -3449,7 +3394,7 @@
           <a:noFill/>
           <a:extLst>
             <a:ext uri="{909E8E84-426E-40DD-AFC4-6F175D3DCCD1}">
-              <a14:hiddenFill xmlns:a14="http://schemas.microsoft.com/office/drawing/2010/main">
+              <a14:hiddenFill xmlns:a14="http://schemas.microsoft.com/office/drawing/2010/main" xmlns="">
                 <a:solidFill>
                   <a:srgbClr val="FFFFFF"/>
                 </a:solidFill>
@@ -3470,7 +3415,7 @@
           <a:blip r:embed="rId14" cstate="print">
             <a:extLst>
               <a:ext uri="{28A0092B-C50C-407E-A947-70E740481C1C}">
-                <a14:useLocalDpi xmlns:a14="http://schemas.microsoft.com/office/drawing/2010/main" val="0"/>
+                <a14:useLocalDpi xmlns:a14="http://schemas.microsoft.com/office/drawing/2010/main" xmlns="" val="0"/>
               </a:ext>
             </a:extLst>
           </a:blip>
@@ -3490,7 +3435,7 @@
           <a:noFill/>
           <a:extLst>
             <a:ext uri="{909E8E84-426E-40DD-AFC4-6F175D3DCCD1}">
-              <a14:hiddenFill xmlns:a14="http://schemas.microsoft.com/office/drawing/2010/main">
+              <a14:hiddenFill xmlns:a14="http://schemas.microsoft.com/office/drawing/2010/main" xmlns="">
                 <a:solidFill>
                   <a:srgbClr val="FFFFFF"/>
                 </a:solidFill>
@@ -3647,7 +3592,7 @@
             </a:ln>
             <a:extLst>
               <a:ext uri="{91240B29-F687-4F45-9708-019B960494DF}">
-                <a14:hiddenLine xmlns:a14="http://schemas.microsoft.com/office/drawing/2010/main" w="9525">
+                <a14:hiddenLine xmlns:a14="http://schemas.microsoft.com/office/drawing/2010/main" xmlns="" w="9525">
                   <a:solidFill>
                     <a:srgbClr val="000000"/>
                   </a:solidFill>
@@ -3716,7 +3661,7 @@
             </a:ln>
             <a:extLst>
               <a:ext uri="{91240B29-F687-4F45-9708-019B960494DF}">
-                <a14:hiddenLine xmlns:a14="http://schemas.microsoft.com/office/drawing/2010/main" w="9525">
+                <a14:hiddenLine xmlns:a14="http://schemas.microsoft.com/office/drawing/2010/main" xmlns="" w="9525">
                   <a:solidFill>
                     <a:srgbClr val="000000"/>
                   </a:solidFill>
@@ -3775,7 +3720,7 @@
     </p:spTree>
     <p:extLst>
       <p:ext uri="{BB962C8B-B14F-4D97-AF65-F5344CB8AC3E}">
-        <p14:creationId xmlns:p14="http://schemas.microsoft.com/office/powerpoint/2010/main" val="2976567322"/>
+        <p14:creationId xmlns:p14="http://schemas.microsoft.com/office/powerpoint/2010/main" xmlns="" val="2976567322"/>
       </p:ext>
     </p:extLst>
   </p:cSld>
@@ -4122,7 +4067,7 @@
           <a:lstStyle/>
           <a:p>
             <a:r>
-              <a:rPr lang="fr-FR" dirty="0" err="1" smtClean="0"/>
+              <a:rPr lang="fr-FR" dirty="0" smtClean="0"/>
               <a:t>Montpeloisirs</a:t>
             </a:r>
             <a:endParaRPr lang="fr-FR" dirty="0"/>
@@ -4190,18 +4135,18 @@
     </p:spTree>
     <p:extLst>
       <p:ext uri="{BB962C8B-B14F-4D97-AF65-F5344CB8AC3E}">
-        <p14:creationId xmlns:p14="http://schemas.microsoft.com/office/powerpoint/2010/main" val="2518692427"/>
+        <p14:creationId xmlns:p14="http://schemas.microsoft.com/office/powerpoint/2010/main" xmlns="" val="2518692427"/>
       </p:ext>
     </p:extLst>
   </p:cSld>
   <p:clrMapOvr>
     <a:masterClrMapping/>
   </p:clrMapOvr>
-  <mc:AlternateContent xmlns:mc="http://schemas.openxmlformats.org/markup-compatibility/2006" xmlns:p14="http://schemas.microsoft.com/office/powerpoint/2010/main">
-    <mc:Choice Requires="p14">
+  <mc:AlternateContent xmlns:mc="http://schemas.openxmlformats.org/markup-compatibility/2006">
+    <mc:Choice xmlns:p14="http://schemas.microsoft.com/office/powerpoint/2010/main" xmlns="" Requires="p14">
       <p:transition spd="slow" p14:dur="2000"/>
     </mc:Choice>
-    <mc:Fallback xmlns="">
+    <mc:Fallback>
       <p:transition spd="slow"/>
     </mc:Fallback>
   </mc:AlternateContent>
@@ -4248,8 +4193,8 @@
           <a:lstStyle/>
           <a:p>
             <a:r>
-              <a:rPr lang="fr-FR" dirty="0" smtClean="0"/>
-              <a:t>TEASER 3-4MIN</a:t>
+              <a:rPr lang="fr-FR" smtClean="0"/>
+              <a:t>I. Pourquoi le site Montpeloisirs ?</a:t>
             </a:r>
             <a:endParaRPr lang="fr-FR" dirty="0"/>
           </a:p>
@@ -4272,26 +4217,30 @@
           <a:p>
             <a:r>
               <a:rPr lang="fr-FR" dirty="0" smtClean="0"/>
-              <a:t>Introduction du site </a:t>
-            </a:r>
-          </a:p>
-          <a:p>
-            <a:r>
-              <a:rPr lang="fr-FR" dirty="0" smtClean="0"/>
-              <a:t>À quoi il sert ? </a:t>
-            </a:r>
-          </a:p>
-          <a:p>
-            <a:r>
-              <a:rPr lang="fr-FR" dirty="0" smtClean="0"/>
-              <a:t>Outils inexistant qui va permettre de combler un besoin </a:t>
-            </a:r>
-          </a:p>
-          <a:p>
-            <a:r>
-              <a:rPr lang="fr-FR" dirty="0" smtClean="0"/>
-              <a:t>Si on passe après Groupe Lisa montré qu’il y a un lien est comment les deux site de différencie </a:t>
-            </a:r>
+              <a:t>Proposer des établissements  susceptibles de satisfaire les utilisateurs</a:t>
+            </a:r>
+          </a:p>
+          <a:p>
+            <a:endParaRPr lang="fr-FR" dirty="0" smtClean="0"/>
+          </a:p>
+          <a:p>
+            <a:r>
+              <a:rPr lang="fr-FR" dirty="0" smtClean="0"/>
+              <a:t>Faire connaitre de nouveaux restaurants, bars aux montpelliérains</a:t>
+            </a:r>
+            <a:endParaRPr lang="fr-FR" dirty="0" smtClean="0"/>
+          </a:p>
+          <a:p>
+            <a:endParaRPr lang="fr-FR" dirty="0" smtClean="0"/>
+          </a:p>
+          <a:p>
+            <a:r>
+              <a:rPr lang="fr-FR" dirty="0" smtClean="0"/>
+              <a:t>Connaitre les préférences  des utilisateurs</a:t>
+            </a:r>
+            <a:endParaRPr lang="fr-FR" dirty="0" smtClean="0"/>
+          </a:p>
+          <a:p>
             <a:endParaRPr lang="fr-FR" dirty="0"/>
           </a:p>
         </p:txBody>
@@ -4313,6 +4262,7 @@
           <a:p>
             <a:fld id="{CB8266EF-8505-4BC5-80D9-D3A2E74B9ECC}" type="slidenum">
               <a:rPr lang="fr-FR" smtClean="0"/>
+              <a:pPr/>
               <a:t>2</a:t>
             </a:fld>
             <a:endParaRPr lang="fr-FR"/>
@@ -4322,7 +4272,7 @@
     </p:spTree>
     <p:extLst>
       <p:ext uri="{BB962C8B-B14F-4D97-AF65-F5344CB8AC3E}">
-        <p14:creationId xmlns:p14="http://schemas.microsoft.com/office/powerpoint/2010/main" val="3142446769"/>
+        <p14:creationId xmlns:p14="http://schemas.microsoft.com/office/powerpoint/2010/main" xmlns="" val="2429075489"/>
       </p:ext>
     </p:extLst>
   </p:cSld>
@@ -4372,12 +4322,172 @@
           <a:lstStyle/>
           <a:p>
             <a:r>
+              <a:rPr lang="fr-FR" dirty="0" smtClean="0"/>
+              <a:t>II. La conception</a:t>
+            </a:r>
+            <a:br>
+              <a:rPr lang="fr-FR" dirty="0" smtClean="0"/>
+            </a:br>
+            <a:r>
+              <a:rPr lang="fr-FR" dirty="0" smtClean="0"/>
+              <a:t>	</a:t>
+            </a:r>
+            <a:r>
+              <a:rPr lang="fr-FR" dirty="0" smtClean="0"/>
+              <a:t>II</a:t>
+            </a:r>
+            <a:r>
+              <a:rPr lang="fr-FR" dirty="0" smtClean="0"/>
+              <a:t>. 1.  Les outils utilisés</a:t>
+            </a:r>
+            <a:endParaRPr lang="fr-FR" dirty="0"/>
+          </a:p>
+        </p:txBody>
+      </p:sp>
+      <p:sp>
+        <p:nvSpPr>
+          <p:cNvPr id="3" name="Espace réservé du contenu 2"/>
+          <p:cNvSpPr>
+            <a:spLocks noGrp="1"/>
+          </p:cNvSpPr>
+          <p:nvPr>
+            <p:ph idx="1"/>
+          </p:nvPr>
+        </p:nvSpPr>
+        <p:spPr>
+          <a:xfrm>
+            <a:off x="838199" y="2117557"/>
+            <a:ext cx="8951963" cy="4016559"/>
+          </a:xfrm>
+        </p:spPr>
+        <p:txBody>
+          <a:bodyPr/>
+          <a:lstStyle/>
+          <a:p>
+            <a:pPr>
+              <a:buFontTx/>
+              <a:buChar char="-"/>
+            </a:pPr>
+            <a:r>
+              <a:rPr lang="fr-FR" dirty="0" smtClean="0"/>
+              <a:t>Le langage HTML (HyperText </a:t>
+            </a:r>
+            <a:r>
               <a:rPr lang="fr-FR" dirty="0" err="1" smtClean="0"/>
-              <a:t>Demo</a:t>
-            </a:r>
-            <a:r>
-              <a:rPr lang="fr-FR" dirty="0" smtClean="0"/>
-              <a:t> 3-4min</a:t>
+              <a:t>Markup</a:t>
+            </a:r>
+            <a:r>
+              <a:rPr lang="fr-FR" dirty="0" smtClean="0"/>
+              <a:t> </a:t>
+            </a:r>
+            <a:r>
+              <a:rPr lang="fr-FR" dirty="0" err="1" smtClean="0"/>
+              <a:t>Language</a:t>
+            </a:r>
+            <a:r>
+              <a:rPr lang="fr-FR" dirty="0" smtClean="0"/>
+              <a:t>) </a:t>
+            </a:r>
+            <a:endParaRPr lang="fr-FR" dirty="0" smtClean="0"/>
+          </a:p>
+          <a:p>
+            <a:pPr>
+              <a:buFontTx/>
+              <a:buChar char="-"/>
+            </a:pPr>
+            <a:endParaRPr lang="fr-FR" dirty="0" smtClean="0"/>
+          </a:p>
+          <a:p>
+            <a:pPr>
+              <a:buFontTx/>
+              <a:buChar char="-"/>
+            </a:pPr>
+            <a:r>
+              <a:rPr lang="fr-FR" dirty="0" smtClean="0"/>
+              <a:t> </a:t>
+            </a:r>
+            <a:r>
+              <a:rPr lang="fr-FR" dirty="0" smtClean="0"/>
+              <a:t>Le langage CSS  </a:t>
+            </a:r>
+            <a:r>
+              <a:rPr lang="fr-FR" dirty="0" smtClean="0"/>
+              <a:t>(</a:t>
+            </a:r>
+            <a:r>
+              <a:rPr lang="fr-FR" dirty="0" err="1" smtClean="0"/>
+              <a:t>Cascading</a:t>
+            </a:r>
+            <a:r>
+              <a:rPr lang="fr-FR" dirty="0" smtClean="0"/>
+              <a:t> Style </a:t>
+            </a:r>
+            <a:r>
+              <a:rPr lang="fr-FR" dirty="0" err="1" smtClean="0"/>
+              <a:t>Sheets</a:t>
+            </a:r>
+            <a:r>
+              <a:rPr lang="fr-FR" dirty="0" smtClean="0"/>
+              <a:t>) </a:t>
+            </a:r>
+            <a:endParaRPr lang="fr-FR" dirty="0" smtClean="0"/>
+          </a:p>
+          <a:p>
+            <a:pPr>
+              <a:buFontTx/>
+              <a:buChar char="-"/>
+            </a:pPr>
+            <a:endParaRPr lang="fr-FR" dirty="0" smtClean="0"/>
+          </a:p>
+          <a:p>
+            <a:pPr>
+              <a:buFontTx/>
+              <a:buChar char="-"/>
+            </a:pPr>
+            <a:r>
+              <a:rPr lang="fr-FR" dirty="0" smtClean="0"/>
+              <a:t>Le langage JavaScript </a:t>
+            </a:r>
+          </a:p>
+          <a:p>
+            <a:pPr>
+              <a:buFontTx/>
+              <a:buChar char="-"/>
+            </a:pPr>
+            <a:endParaRPr lang="fr-FR" dirty="0" smtClean="0"/>
+          </a:p>
+          <a:p>
+            <a:pPr>
+              <a:buFontTx/>
+              <a:buChar char="-"/>
+            </a:pPr>
+            <a:r>
+              <a:rPr lang="fr-FR" dirty="0" smtClean="0"/>
+              <a:t>Le langage PHP (</a:t>
+            </a:r>
+            <a:r>
+              <a:rPr lang="fr-FR" dirty="0" smtClean="0"/>
+              <a:t>(</a:t>
+            </a:r>
+            <a:r>
+              <a:rPr lang="fr-FR" dirty="0" err="1" smtClean="0"/>
+              <a:t>Hypertext</a:t>
+            </a:r>
+            <a:r>
+              <a:rPr lang="fr-FR" i="1" dirty="0" smtClean="0"/>
+              <a:t> </a:t>
+            </a:r>
+            <a:r>
+              <a:rPr lang="fr-FR" i="1" dirty="0" err="1" smtClean="0"/>
+              <a:t>Preprocessor</a:t>
+            </a:r>
+            <a:r>
+              <a:rPr lang="fr-FR" dirty="0" smtClean="0"/>
+              <a:t>): </a:t>
+            </a:r>
+            <a:r>
+              <a:rPr lang="fr-FR" dirty="0" smtClean="0"/>
+              <a:t>)</a:t>
             </a:r>
             <a:endParaRPr lang="fr-FR" dirty="0"/>
           </a:p>
@@ -4385,12 +4495,12 @@
       </p:sp>
       <p:sp>
         <p:nvSpPr>
-          <p:cNvPr id="3" name="Espace réservé du contenu 2"/>
-          <p:cNvSpPr>
-            <a:spLocks noGrp="1"/>
-          </p:cNvSpPr>
-          <p:nvPr>
-            <p:ph idx="1"/>
+          <p:cNvPr id="4" name="Espace réservé du numéro de diapositive 3"/>
+          <p:cNvSpPr>
+            <a:spLocks noGrp="1"/>
+          </p:cNvSpPr>
+          <p:nvPr>
+            <p:ph type="sldNum" sz="quarter" idx="12"/>
           </p:nvPr>
         </p:nvSpPr>
         <p:spPr/>
@@ -4398,31 +4508,9 @@
           <a:bodyPr/>
           <a:lstStyle/>
           <a:p>
-            <a:r>
-              <a:rPr lang="fr-FR" dirty="0" smtClean="0"/>
-              <a:t>Idéal vidéo</a:t>
-            </a:r>
-            <a:endParaRPr lang="fr-FR" dirty="0"/>
-          </a:p>
-        </p:txBody>
-      </p:sp>
-      <p:sp>
-        <p:nvSpPr>
-          <p:cNvPr id="4" name="Espace réservé du numéro de diapositive 3"/>
-          <p:cNvSpPr>
-            <a:spLocks noGrp="1"/>
-          </p:cNvSpPr>
-          <p:nvPr>
-            <p:ph type="sldNum" sz="quarter" idx="12"/>
-          </p:nvPr>
-        </p:nvSpPr>
-        <p:spPr/>
-        <p:txBody>
-          <a:bodyPr/>
-          <a:lstStyle/>
-          <a:p>
             <a:fld id="{CB8266EF-8505-4BC5-80D9-D3A2E74B9ECC}" type="slidenum">
               <a:rPr lang="fr-FR" smtClean="0"/>
+              <a:pPr/>
               <a:t>3</a:t>
             </a:fld>
             <a:endParaRPr lang="fr-FR"/>
@@ -4432,7 +4520,7 @@
     </p:spTree>
     <p:extLst>
       <p:ext uri="{BB962C8B-B14F-4D97-AF65-F5344CB8AC3E}">
-        <p14:creationId xmlns:p14="http://schemas.microsoft.com/office/powerpoint/2010/main" val="2429075489"/>
+        <p14:creationId xmlns:p14="http://schemas.microsoft.com/office/powerpoint/2010/main" xmlns="" val="2887763126"/>
       </p:ext>
     </p:extLst>
   </p:cSld>
@@ -4483,75 +4571,179 @@
           <a:p>
             <a:r>
               <a:rPr lang="fr-FR" dirty="0" smtClean="0"/>
-              <a:t>Perspective</a:t>
+              <a:t>II. 1.  Les outils utilisés</a:t>
             </a:r>
             <a:endParaRPr lang="fr-FR" dirty="0"/>
           </a:p>
         </p:txBody>
       </p:sp>
-      <p:sp>
-        <p:nvSpPr>
-          <p:cNvPr id="3" name="Espace réservé du contenu 2"/>
-          <p:cNvSpPr>
-            <a:spLocks noGrp="1"/>
-          </p:cNvSpPr>
+      <p:graphicFrame>
+        <p:nvGraphicFramePr>
+          <p:cNvPr id="5" name="Espace réservé du contenu 4"/>
+          <p:cNvGraphicFramePr>
+            <a:graphicFrameLocks noGrp="1"/>
+          </p:cNvGraphicFramePr>
           <p:nvPr>
             <p:ph idx="1"/>
           </p:nvPr>
+        </p:nvGraphicFramePr>
+        <p:xfrm>
+          <a:off x="838200" y="1782762"/>
+          <a:ext cx="8951914" cy="3210920"/>
+        </p:xfrm>
+        <a:graphic>
+          <a:graphicData uri="http://schemas.openxmlformats.org/drawingml/2006/table">
+            <a:tbl>
+              <a:tblPr firstRow="1" bandRow="1">
+                <a:tableStyleId>{00A15C55-8517-42AA-B614-E9B94910E393}</a:tableStyleId>
+              </a:tblPr>
+              <a:tblGrid>
+                <a:gridCol w="4475957"/>
+                <a:gridCol w="4475957"/>
+              </a:tblGrid>
+              <a:tr h="935219">
+                <a:tc>
+                  <a:txBody>
+                    <a:bodyPr/>
+                    <a:lstStyle/>
+                    <a:p>
+                      <a:pPr algn="ctr"/>
+                      <a:r>
+                        <a:rPr lang="fr-FR" sz="2400" dirty="0" smtClean="0"/>
+                        <a:t>Coté serveur </a:t>
+                      </a:r>
+                      <a:endParaRPr lang="fr-FR" sz="2400" dirty="0"/>
+                    </a:p>
+                  </a:txBody>
+                  <a:tcPr/>
+                </a:tc>
+                <a:tc>
+                  <a:txBody>
+                    <a:bodyPr/>
+                    <a:lstStyle/>
+                    <a:p>
+                      <a:pPr algn="ctr"/>
+                      <a:r>
+                        <a:rPr lang="fr-FR" sz="2400" dirty="0" smtClean="0"/>
+                        <a:t>Coté client</a:t>
+                      </a:r>
+                      <a:endParaRPr lang="fr-FR" sz="2400" dirty="0"/>
+                    </a:p>
+                  </a:txBody>
+                  <a:tcPr/>
+                </a:tc>
+              </a:tr>
+              <a:tr h="758567">
+                <a:tc>
+                  <a:txBody>
+                    <a:bodyPr/>
+                    <a:lstStyle/>
+                    <a:p>
+                      <a:r>
+                        <a:rPr lang="fr-FR" sz="2400" dirty="0" smtClean="0"/>
+                        <a:t>Questionnaire personnalisé</a:t>
+                      </a:r>
+                    </a:p>
+                  </a:txBody>
+                  <a:tcPr/>
+                </a:tc>
+                <a:tc>
+                  <a:txBody>
+                    <a:bodyPr/>
+                    <a:lstStyle/>
+                    <a:p>
+                      <a:r>
+                        <a:rPr lang="fr-FR" sz="2400" dirty="0" smtClean="0"/>
+                        <a:t>Liens vers les autres pages</a:t>
+                      </a:r>
+                      <a:endParaRPr lang="fr-FR" sz="2400" dirty="0"/>
+                    </a:p>
+                  </a:txBody>
+                  <a:tcPr/>
+                </a:tc>
+              </a:tr>
+              <a:tr h="758567">
+                <a:tc>
+                  <a:txBody>
+                    <a:bodyPr/>
+                    <a:lstStyle/>
+                    <a:p>
+                      <a:r>
+                        <a:rPr lang="fr-FR" sz="2400" dirty="0" smtClean="0"/>
+                        <a:t>Formulaire d’inscription</a:t>
+                      </a:r>
+                      <a:endParaRPr lang="fr-FR" sz="2400" dirty="0"/>
+                    </a:p>
+                  </a:txBody>
+                  <a:tcPr/>
+                </a:tc>
+                <a:tc>
+                  <a:txBody>
+                    <a:bodyPr/>
+                    <a:lstStyle/>
+                    <a:p>
+                      <a:r>
+                        <a:rPr lang="fr-FR" sz="2400" dirty="0" err="1" smtClean="0"/>
+                        <a:t>map</a:t>
+                      </a:r>
+                      <a:endParaRPr lang="fr-FR" sz="2400" dirty="0"/>
+                    </a:p>
+                  </a:txBody>
+                  <a:tcPr/>
+                </a:tc>
+              </a:tr>
+              <a:tr h="758567">
+                <a:tc>
+                  <a:txBody>
+                    <a:bodyPr/>
+                    <a:lstStyle/>
+                    <a:p>
+                      <a:r>
+                        <a:rPr lang="fr-FR" sz="2400" dirty="0" smtClean="0"/>
+                        <a:t>Formulaire</a:t>
+                      </a:r>
+                      <a:r>
+                        <a:rPr lang="fr-FR" sz="2400" baseline="0" dirty="0" smtClean="0"/>
+                        <a:t> de connexion</a:t>
+                      </a:r>
+                      <a:endParaRPr lang="fr-FR" sz="2400" dirty="0"/>
+                    </a:p>
+                  </a:txBody>
+                  <a:tcPr/>
+                </a:tc>
+                <a:tc>
+                  <a:txBody>
+                    <a:bodyPr/>
+                    <a:lstStyle/>
+                    <a:p>
+                      <a:endParaRPr lang="fr-FR" sz="2400" dirty="0"/>
+                    </a:p>
+                  </a:txBody>
+                  <a:tcPr/>
+                </a:tc>
+              </a:tr>
+            </a:tbl>
+          </a:graphicData>
+        </a:graphic>
+      </p:graphicFrame>
+      <p:sp>
+        <p:nvSpPr>
+          <p:cNvPr id="4" name="Espace réservé du numéro de diapositive 3"/>
+          <p:cNvSpPr>
+            <a:spLocks noGrp="1"/>
+          </p:cNvSpPr>
+          <p:nvPr>
+            <p:ph type="sldNum" sz="quarter" idx="12"/>
+          </p:nvPr>
         </p:nvSpPr>
         <p:spPr/>
         <p:txBody>
           <a:bodyPr/>
           <a:lstStyle/>
           <a:p>
-            <a:r>
-              <a:rPr lang="fr-FR" dirty="0" smtClean="0"/>
-              <a:t>Tout ce que l’on a pas fait et tout ce qui serai intéressant de faire par la suite</a:t>
-            </a:r>
-          </a:p>
-          <a:p>
-            <a:endParaRPr lang="fr-FR" dirty="0"/>
-          </a:p>
-          <a:p>
-            <a:r>
-              <a:rPr lang="fr-FR" dirty="0" smtClean="0"/>
-              <a:t>Compte utilisateur ont il peut voir les derniers commentaire qu’il a mis </a:t>
-            </a:r>
-          </a:p>
-          <a:p>
-            <a:r>
-              <a:rPr lang="fr-FR" dirty="0" smtClean="0"/>
-              <a:t>Proposer un compte pour les directeurs d’établissement  pour qu’il puisse interagir avec les utilisateurs ou leurs proposer des </a:t>
-            </a:r>
-            <a:r>
-              <a:rPr lang="fr-FR" dirty="0" err="1" smtClean="0"/>
-              <a:t>stats</a:t>
-            </a:r>
-            <a:r>
-              <a:rPr lang="fr-FR" dirty="0" smtClean="0"/>
-              <a:t> spécifique à leurs établissements. </a:t>
-            </a:r>
-            <a:endParaRPr lang="fr-FR" dirty="0"/>
-          </a:p>
-        </p:txBody>
-      </p:sp>
-      <p:sp>
-        <p:nvSpPr>
-          <p:cNvPr id="4" name="Espace réservé du numéro de diapositive 3"/>
-          <p:cNvSpPr>
-            <a:spLocks noGrp="1"/>
-          </p:cNvSpPr>
-          <p:nvPr>
-            <p:ph type="sldNum" sz="quarter" idx="12"/>
-          </p:nvPr>
-        </p:nvSpPr>
-        <p:spPr/>
-        <p:txBody>
-          <a:bodyPr/>
-          <a:lstStyle/>
-          <a:p>
             <a:fld id="{CB8266EF-8505-4BC5-80D9-D3A2E74B9ECC}" type="slidenum">
               <a:rPr lang="fr-FR" smtClean="0"/>
+              <a:pPr/>
               <a:t>4</a:t>
             </a:fld>
             <a:endParaRPr lang="fr-FR"/>
@@ -4561,7 +4753,7 @@
     </p:spTree>
     <p:extLst>
       <p:ext uri="{BB962C8B-B14F-4D97-AF65-F5344CB8AC3E}">
-        <p14:creationId xmlns:p14="http://schemas.microsoft.com/office/powerpoint/2010/main" val="2887763126"/>
+        <p14:creationId xmlns:p14="http://schemas.microsoft.com/office/powerpoint/2010/main" xmlns="" val="4039143999"/>
       </p:ext>
     </p:extLst>
   </p:cSld>
@@ -4612,7 +4804,18 @@
           <a:p>
             <a:r>
               <a:rPr lang="fr-FR" dirty="0" smtClean="0"/>
-              <a:t>Rapport</a:t>
+              <a:t>II. La conception</a:t>
+            </a:r>
+            <a:br>
+              <a:rPr lang="fr-FR" dirty="0" smtClean="0"/>
+            </a:br>
+            <a:r>
+              <a:rPr lang="fr-FR" dirty="0" smtClean="0"/>
+              <a:t>	II. 2</a:t>
+            </a:r>
+            <a:r>
+              <a:rPr lang="fr-FR" dirty="0" smtClean="0"/>
+              <a:t>.  Les étapes du développement</a:t>
             </a:r>
             <a:endParaRPr lang="fr-FR" dirty="0"/>
           </a:p>
@@ -4633,10 +4836,64 @@
           <a:bodyPr/>
           <a:lstStyle/>
           <a:p>
-            <a:r>
-              <a:rPr lang="fr-FR" dirty="0" smtClean="0"/>
-              <a:t>Retour d’expérience </a:t>
-            </a:r>
+            <a:pPr>
+              <a:buFontTx/>
+              <a:buChar char="-"/>
+            </a:pPr>
+            <a:r>
+              <a:rPr lang="fr-FR" dirty="0" smtClean="0"/>
+              <a:t>C</a:t>
+            </a:r>
+            <a:r>
+              <a:rPr lang="fr-FR" dirty="0" smtClean="0"/>
+              <a:t>ollecte des données </a:t>
+            </a:r>
+          </a:p>
+          <a:p>
+            <a:pPr>
+              <a:buFontTx/>
+              <a:buChar char="-"/>
+            </a:pPr>
+            <a:r>
+              <a:rPr lang="fr-FR" dirty="0" smtClean="0"/>
+              <a:t>Création de la base de données</a:t>
+            </a:r>
+          </a:p>
+          <a:p>
+            <a:pPr>
+              <a:buFontTx/>
+              <a:buChar char="-"/>
+            </a:pPr>
+            <a:r>
+              <a:rPr lang="fr-FR" dirty="0" smtClean="0"/>
+              <a:t>Création de la page d’accueil</a:t>
+            </a:r>
+          </a:p>
+          <a:p>
+            <a:pPr>
+              <a:buFontTx/>
+              <a:buChar char="-"/>
+            </a:pPr>
+            <a:r>
+              <a:rPr lang="fr-FR" dirty="0" smtClean="0"/>
+              <a:t>Création des autres pages connectés à la base de données (utilisation de class)</a:t>
+            </a:r>
+          </a:p>
+          <a:p>
+            <a:pPr>
+              <a:buFontTx/>
+              <a:buChar char="-"/>
+            </a:pPr>
+            <a:r>
+              <a:rPr lang="fr-FR" dirty="0" smtClean="0"/>
+              <a:t>Ajout d’interaction sur les pages et de la carte sur la page principale</a:t>
+            </a:r>
+          </a:p>
+          <a:p>
+            <a:pPr>
+              <a:buFontTx/>
+              <a:buChar char="-"/>
+            </a:pPr>
             <a:endParaRPr lang="fr-FR" dirty="0"/>
           </a:p>
         </p:txBody>
@@ -4658,6 +4915,7 @@
           <a:p>
             <a:fld id="{CB8266EF-8505-4BC5-80D9-D3A2E74B9ECC}" type="slidenum">
               <a:rPr lang="fr-FR" smtClean="0"/>
+              <a:pPr/>
               <a:t>5</a:t>
             </a:fld>
             <a:endParaRPr lang="fr-FR"/>
@@ -4665,22 +4923,322 @@
         </p:txBody>
       </p:sp>
     </p:spTree>
-    <p:extLst>
-      <p:ext uri="{BB962C8B-B14F-4D97-AF65-F5344CB8AC3E}">
-        <p14:creationId xmlns:p14="http://schemas.microsoft.com/office/powerpoint/2010/main" val="4039143999"/>
-      </p:ext>
-    </p:extLst>
   </p:cSld>
   <p:clrMapOvr>
     <a:masterClrMapping/>
   </p:clrMapOvr>
-  <p:timing>
-    <p:tnLst>
-      <p:par>
-        <p:cTn id="1" dur="indefinite" restart="never" nodeType="tmRoot"/>
-      </p:par>
-    </p:tnLst>
-  </p:timing>
+</p:sld>
+</file>
+
+<file path=ppt/slides/slide6.xml><?xml version="1.0" encoding="utf-8"?>
+<p:sld xmlns:a="http://schemas.openxmlformats.org/drawingml/2006/main" xmlns:r="http://schemas.openxmlformats.org/officeDocument/2006/relationships" xmlns:p="http://schemas.openxmlformats.org/presentationml/2006/main">
+  <p:cSld>
+    <p:spTree>
+      <p:nvGrpSpPr>
+        <p:cNvPr id="1" name=""/>
+        <p:cNvGrpSpPr/>
+        <p:nvPr/>
+      </p:nvGrpSpPr>
+      <p:grpSpPr>
+        <a:xfrm>
+          <a:off x="0" y="0"/>
+          <a:ext cx="0" cy="0"/>
+          <a:chOff x="0" y="0"/>
+          <a:chExt cx="0" cy="0"/>
+        </a:xfrm>
+      </p:grpSpPr>
+      <p:sp>
+        <p:nvSpPr>
+          <p:cNvPr id="2" name="Titre 1"/>
+          <p:cNvSpPr>
+            <a:spLocks noGrp="1"/>
+          </p:cNvSpPr>
+          <p:nvPr>
+            <p:ph type="title"/>
+          </p:nvPr>
+        </p:nvSpPr>
+        <p:spPr/>
+        <p:txBody>
+          <a:bodyPr/>
+          <a:lstStyle/>
+          <a:p>
+            <a:r>
+              <a:rPr lang="fr-FR" dirty="0" smtClean="0"/>
+              <a:t>III. Le rendu du site</a:t>
+            </a:r>
+            <a:endParaRPr lang="fr-FR" dirty="0"/>
+          </a:p>
+        </p:txBody>
+      </p:sp>
+      <p:sp>
+        <p:nvSpPr>
+          <p:cNvPr id="3" name="Espace réservé du contenu 2"/>
+          <p:cNvSpPr>
+            <a:spLocks noGrp="1"/>
+          </p:cNvSpPr>
+          <p:nvPr>
+            <p:ph idx="1"/>
+          </p:nvPr>
+        </p:nvSpPr>
+        <p:spPr/>
+        <p:txBody>
+          <a:bodyPr/>
+          <a:lstStyle/>
+          <a:p>
+            <a:pPr>
+              <a:buNone/>
+            </a:pPr>
+            <a:endParaRPr lang="fr-FR" dirty="0"/>
+          </a:p>
+        </p:txBody>
+      </p:sp>
+      <p:sp>
+        <p:nvSpPr>
+          <p:cNvPr id="4" name="Espace réservé du numéro de diapositive 3"/>
+          <p:cNvSpPr>
+            <a:spLocks noGrp="1"/>
+          </p:cNvSpPr>
+          <p:nvPr>
+            <p:ph type="sldNum" sz="quarter" idx="12"/>
+          </p:nvPr>
+        </p:nvSpPr>
+        <p:spPr/>
+        <p:txBody>
+          <a:bodyPr/>
+          <a:lstStyle/>
+          <a:p>
+            <a:fld id="{CB8266EF-8505-4BC5-80D9-D3A2E74B9ECC}" type="slidenum">
+              <a:rPr lang="fr-FR" smtClean="0"/>
+              <a:pPr/>
+              <a:t>6</a:t>
+            </a:fld>
+            <a:endParaRPr lang="fr-FR"/>
+          </a:p>
+        </p:txBody>
+      </p:sp>
+    </p:spTree>
+  </p:cSld>
+  <p:clrMapOvr>
+    <a:masterClrMapping/>
+  </p:clrMapOvr>
+</p:sld>
+</file>
+
+<file path=ppt/slides/slide7.xml><?xml version="1.0" encoding="utf-8"?>
+<p:sld xmlns:a="http://schemas.openxmlformats.org/drawingml/2006/main" xmlns:r="http://schemas.openxmlformats.org/officeDocument/2006/relationships" xmlns:p="http://schemas.openxmlformats.org/presentationml/2006/main">
+  <p:cSld>
+    <p:spTree>
+      <p:nvGrpSpPr>
+        <p:cNvPr id="1" name=""/>
+        <p:cNvGrpSpPr/>
+        <p:nvPr/>
+      </p:nvGrpSpPr>
+      <p:grpSpPr>
+        <a:xfrm>
+          <a:off x="0" y="0"/>
+          <a:ext cx="0" cy="0"/>
+          <a:chOff x="0" y="0"/>
+          <a:chExt cx="0" cy="0"/>
+        </a:xfrm>
+      </p:grpSpPr>
+      <p:sp>
+        <p:nvSpPr>
+          <p:cNvPr id="2" name="Titre 1"/>
+          <p:cNvSpPr>
+            <a:spLocks noGrp="1"/>
+          </p:cNvSpPr>
+          <p:nvPr>
+            <p:ph type="title"/>
+          </p:nvPr>
+        </p:nvSpPr>
+        <p:spPr/>
+        <p:txBody>
+          <a:bodyPr/>
+          <a:lstStyle/>
+          <a:p>
+            <a:r>
+              <a:rPr lang="fr-FR" dirty="0" smtClean="0"/>
+              <a:t>IV.  Les perspectives</a:t>
+            </a:r>
+            <a:endParaRPr lang="fr-FR" dirty="0"/>
+          </a:p>
+        </p:txBody>
+      </p:sp>
+      <p:sp>
+        <p:nvSpPr>
+          <p:cNvPr id="3" name="Espace réservé du contenu 2"/>
+          <p:cNvSpPr>
+            <a:spLocks noGrp="1"/>
+          </p:cNvSpPr>
+          <p:nvPr>
+            <p:ph idx="1"/>
+          </p:nvPr>
+        </p:nvSpPr>
+        <p:spPr/>
+        <p:txBody>
+          <a:bodyPr/>
+          <a:lstStyle/>
+          <a:p>
+            <a:r>
+              <a:rPr lang="fr-FR" dirty="0" smtClean="0"/>
+              <a:t> </a:t>
+            </a:r>
+            <a:r>
+              <a:rPr lang="fr-FR" dirty="0" smtClean="0"/>
+              <a:t>Créer un compte spécial professionnels</a:t>
+            </a:r>
+          </a:p>
+          <a:p>
+            <a:r>
+              <a:rPr lang="fr-FR" dirty="0" smtClean="0"/>
+              <a:t>Ajouter une discussion de groupe </a:t>
+            </a:r>
+            <a:r>
+              <a:rPr lang="fr-FR" dirty="0" err="1" smtClean="0"/>
+              <a:t>instantannée</a:t>
+            </a:r>
+            <a:endParaRPr lang="fr-FR" dirty="0" smtClean="0"/>
+          </a:p>
+          <a:p>
+            <a:r>
+              <a:rPr lang="fr-FR" dirty="0" smtClean="0"/>
+              <a:t>Compléter la table cinéma avec des renseignements sur les films à l’affiche et les horaires des séances</a:t>
+            </a:r>
+          </a:p>
+          <a:p>
+            <a:r>
+              <a:rPr lang="fr-FR" dirty="0" smtClean="0"/>
+              <a:t>Utiliser les données sur les arrêts de tram pour proposer des itinéraires</a:t>
+            </a:r>
+          </a:p>
+          <a:p>
+            <a:pPr>
+              <a:buNone/>
+            </a:pPr>
+            <a:endParaRPr lang="fr-FR" dirty="0"/>
+          </a:p>
+        </p:txBody>
+      </p:sp>
+      <p:sp>
+        <p:nvSpPr>
+          <p:cNvPr id="4" name="Espace réservé du numéro de diapositive 3"/>
+          <p:cNvSpPr>
+            <a:spLocks noGrp="1"/>
+          </p:cNvSpPr>
+          <p:nvPr>
+            <p:ph type="sldNum" sz="quarter" idx="12"/>
+          </p:nvPr>
+        </p:nvSpPr>
+        <p:spPr/>
+        <p:txBody>
+          <a:bodyPr/>
+          <a:lstStyle/>
+          <a:p>
+            <a:fld id="{CB8266EF-8505-4BC5-80D9-D3A2E74B9ECC}" type="slidenum">
+              <a:rPr lang="fr-FR" smtClean="0"/>
+              <a:pPr/>
+              <a:t>7</a:t>
+            </a:fld>
+            <a:endParaRPr lang="fr-FR"/>
+          </a:p>
+        </p:txBody>
+      </p:sp>
+    </p:spTree>
+  </p:cSld>
+  <p:clrMapOvr>
+    <a:masterClrMapping/>
+  </p:clrMapOvr>
+</p:sld>
+</file>
+
+<file path=ppt/slides/slide8.xml><?xml version="1.0" encoding="utf-8"?>
+<p:sld xmlns:a="http://schemas.openxmlformats.org/drawingml/2006/main" xmlns:r="http://schemas.openxmlformats.org/officeDocument/2006/relationships" xmlns:p="http://schemas.openxmlformats.org/presentationml/2006/main">
+  <p:cSld>
+    <p:spTree>
+      <p:nvGrpSpPr>
+        <p:cNvPr id="1" name=""/>
+        <p:cNvGrpSpPr/>
+        <p:nvPr/>
+      </p:nvGrpSpPr>
+      <p:grpSpPr>
+        <a:xfrm>
+          <a:off x="0" y="0"/>
+          <a:ext cx="0" cy="0"/>
+          <a:chOff x="0" y="0"/>
+          <a:chExt cx="0" cy="0"/>
+        </a:xfrm>
+      </p:grpSpPr>
+      <p:sp>
+        <p:nvSpPr>
+          <p:cNvPr id="2" name="Titre 1"/>
+          <p:cNvSpPr>
+            <a:spLocks noGrp="1"/>
+          </p:cNvSpPr>
+          <p:nvPr>
+            <p:ph type="title"/>
+          </p:nvPr>
+        </p:nvSpPr>
+        <p:spPr/>
+        <p:txBody>
+          <a:bodyPr/>
+          <a:lstStyle/>
+          <a:p>
+            <a:r>
+              <a:rPr lang="fr-FR" dirty="0" smtClean="0"/>
+              <a:t>V. Conclusion</a:t>
+            </a:r>
+            <a:endParaRPr lang="fr-FR" dirty="0"/>
+          </a:p>
+        </p:txBody>
+      </p:sp>
+      <p:sp>
+        <p:nvSpPr>
+          <p:cNvPr id="3" name="Espace réservé du contenu 2"/>
+          <p:cNvSpPr>
+            <a:spLocks noGrp="1"/>
+          </p:cNvSpPr>
+          <p:nvPr>
+            <p:ph idx="1"/>
+          </p:nvPr>
+        </p:nvSpPr>
+        <p:spPr/>
+        <p:txBody>
+          <a:bodyPr/>
+          <a:lstStyle/>
+          <a:p>
+            <a:endParaRPr lang="fr-FR" dirty="0"/>
+          </a:p>
+        </p:txBody>
+      </p:sp>
+      <p:sp>
+        <p:nvSpPr>
+          <p:cNvPr id="4" name="Espace réservé du numéro de diapositive 3"/>
+          <p:cNvSpPr>
+            <a:spLocks noGrp="1"/>
+          </p:cNvSpPr>
+          <p:nvPr>
+            <p:ph type="sldNum" sz="quarter" idx="12"/>
+          </p:nvPr>
+        </p:nvSpPr>
+        <p:spPr/>
+        <p:txBody>
+          <a:bodyPr/>
+          <a:lstStyle/>
+          <a:p>
+            <a:fld id="{CB8266EF-8505-4BC5-80D9-D3A2E74B9ECC}" type="slidenum">
+              <a:rPr lang="fr-FR" smtClean="0"/>
+              <a:pPr/>
+              <a:t>8</a:t>
+            </a:fld>
+            <a:endParaRPr lang="fr-FR"/>
+          </a:p>
+        </p:txBody>
+      </p:sp>
+    </p:spTree>
+  </p:cSld>
+  <p:clrMapOvr>
+    <a:masterClrMapping/>
+  </p:clrMapOvr>
 </p:sld>
 </file>
 
@@ -4727,7 +5285,7 @@
     </a:clrScheme>
     <a:fontScheme name="Office">
       <a:majorFont>
-        <a:latin typeface="Calibri Light" panose="020F0302020204030204"/>
+        <a:latin typeface="Calibri Light"/>
         <a:ea typeface=""/>
         <a:cs typeface=""/>
         <a:font script="Jpan" typeface="ＭＳ Ｐゴシック"/>
@@ -4762,7 +5320,7 @@
         <a:font script="Geor" typeface="Sylfaen"/>
       </a:majorFont>
       <a:minorFont>
-        <a:latin typeface="Calibri" panose="020F0502020204030204"/>
+        <a:latin typeface="Calibri"/>
         <a:ea typeface=""/>
         <a:cs typeface=""/>
         <a:font script="Jpan" typeface="ＭＳ Ｐゴシック"/>
@@ -4939,7 +5497,7 @@
   <a:extraClrSchemeLst/>
   <a:extLst>
     <a:ext uri="{05A4C25C-085E-4340-85A3-A5531E510DB2}">
-      <thm15:themeFamily xmlns:thm15="http://schemas.microsoft.com/office/thememl/2012/main" xmlns="" name="Office Theme" id="{62F939B6-93AF-4DB8-9C6B-D6C7DFDC589F}" vid="{4A3C46E8-61CC-4603-A589-7422A47A8E4A}"/>
+      <thm15:themeFamily xmlns="" xmlns:thm15="http://schemas.microsoft.com/office/thememl/2012/main" name="Office Theme" id="{62F939B6-93AF-4DB8-9C6B-D6C7DFDC589F}" vid="{4A3C46E8-61CC-4603-A589-7422A47A8E4A}"/>
     </a:ext>
   </a:extLst>
 </a:theme>
@@ -4988,7 +5546,7 @@
     </a:clrScheme>
     <a:fontScheme name="Office">
       <a:majorFont>
-        <a:latin typeface="Calibri Light" panose="020F0302020204030204"/>
+        <a:latin typeface="Calibri Light"/>
         <a:ea typeface=""/>
         <a:cs typeface=""/>
         <a:font script="Jpan" typeface="ＭＳ Ｐゴシック"/>
@@ -5023,7 +5581,7 @@
         <a:font script="Geor" typeface="Sylfaen"/>
       </a:majorFont>
       <a:minorFont>
-        <a:latin typeface="Calibri" panose="020F0502020204030204"/>
+        <a:latin typeface="Calibri"/>
         <a:ea typeface=""/>
         <a:cs typeface=""/>
         <a:font script="Jpan" typeface="ＭＳ Ｐゴシック"/>
@@ -5200,7 +5758,7 @@
   <a:extraClrSchemeLst/>
   <a:extLst>
     <a:ext uri="{05A4C25C-085E-4340-85A3-A5531E510DB2}">
-      <thm15:themeFamily xmlns:thm15="http://schemas.microsoft.com/office/thememl/2012/main" xmlns="" name="Office Theme" id="{62F939B6-93AF-4DB8-9C6B-D6C7DFDC589F}" vid="{4A3C46E8-61CC-4603-A589-7422A47A8E4A}"/>
+      <thm15:themeFamily xmlns="" xmlns:thm15="http://schemas.microsoft.com/office/thememl/2012/main" name="Office Theme" id="{62F939B6-93AF-4DB8-9C6B-D6C7DFDC589F}" vid="{4A3C46E8-61CC-4603-A589-7422A47A8E4A}"/>
     </a:ext>
   </a:extLst>
 </a:theme>
@@ -5249,7 +5807,7 @@
     </a:clrScheme>
     <a:fontScheme name="Office">
       <a:majorFont>
-        <a:latin typeface="Calibri Light" panose="020F0302020204030204"/>
+        <a:latin typeface="Calibri Light"/>
         <a:ea typeface=""/>
         <a:cs typeface=""/>
         <a:font script="Jpan" typeface="ＭＳ Ｐゴシック"/>
@@ -5284,7 +5842,7 @@
         <a:font script="Geor" typeface="Sylfaen"/>
       </a:majorFont>
       <a:minorFont>
-        <a:latin typeface="Calibri" panose="020F0502020204030204"/>
+        <a:latin typeface="Calibri"/>
         <a:ea typeface=""/>
         <a:cs typeface=""/>
         <a:font script="Jpan" typeface="ＭＳ Ｐゴシック"/>
@@ -5461,7 +6019,7 @@
   <a:extraClrSchemeLst/>
   <a:extLst>
     <a:ext uri="{05A4C25C-085E-4340-85A3-A5531E510DB2}">
-      <thm15:themeFamily xmlns:thm15="http://schemas.microsoft.com/office/thememl/2012/main" xmlns="" name="Office Theme" id="{62F939B6-93AF-4DB8-9C6B-D6C7DFDC589F}" vid="{4A3C46E8-61CC-4603-A589-7422A47A8E4A}"/>
+      <thm15:themeFamily xmlns="" xmlns:thm15="http://schemas.microsoft.com/office/thememl/2012/main" name="Office Theme" id="{62F939B6-93AF-4DB8-9C6B-D6C7DFDC589F}" vid="{4A3C46E8-61CC-4603-A589-7422A47A8E4A}"/>
     </a:ext>
   </a:extLst>
 </a:theme>
